--- a/assets/lectures/cshl/2020/mini/RNASeq_MiniLecture_02_02_Alignment_vs_Assembly_vs_Kmer.pptx
+++ b/assets/lectures/cshl/2020/mini/RNASeq_MiniLecture_02_02_Alignment_vs_Assembly_vs_Kmer.pptx
@@ -862,14 +862,14 @@
           </a:ln>
           <a:extLst>
             <a:ext uri="{909E8E84-426E-40dd-AFC4-6F175D3DCCD1}">
-              <a14:hiddenFill xmlns:a14="http://schemas.microsoft.com/office/drawing/2010/main" xmlns="">
+              <a14:hiddenFill xmlns="" xmlns:a14="http://schemas.microsoft.com/office/drawing/2010/main">
                 <a:solidFill>
                   <a:srgbClr val="FFFFFF"/>
                 </a:solidFill>
               </a14:hiddenFill>
             </a:ext>
             <a:ext uri="{91240B29-F687-4f45-9708-019B960494DF}">
-              <a14:hiddenLine xmlns:a14="http://schemas.microsoft.com/office/drawing/2010/main" xmlns="" w="9525">
+              <a14:hiddenLine xmlns="" xmlns:a14="http://schemas.microsoft.com/office/drawing/2010/main" w="9525">
                 <a:solidFill>
                   <a:srgbClr val="000000"/>
                 </a:solidFill>
@@ -1364,14 +1364,14 @@
           </a:ln>
           <a:extLst>
             <a:ext uri="{909E8E84-426E-40dd-AFC4-6F175D3DCCD1}">
-              <a14:hiddenFill xmlns:a14="http://schemas.microsoft.com/office/drawing/2010/main" xmlns="">
+              <a14:hiddenFill xmlns="" xmlns:a14="http://schemas.microsoft.com/office/drawing/2010/main">
                 <a:solidFill>
                   <a:srgbClr val="FFFFFF"/>
                 </a:solidFill>
               </a14:hiddenFill>
             </a:ext>
             <a:ext uri="{91240B29-F687-4f45-9708-019B960494DF}">
-              <a14:hiddenLine xmlns:a14="http://schemas.microsoft.com/office/drawing/2010/main" xmlns="" w="9525">
+              <a14:hiddenLine xmlns="" xmlns:a14="http://schemas.microsoft.com/office/drawing/2010/main" w="9525">
                 <a:solidFill>
                   <a:srgbClr val="000000"/>
                 </a:solidFill>
@@ -3089,14 +3089,14 @@
           </a:ln>
           <a:extLst>
             <a:ext uri="{909E8E84-426E-40dd-AFC4-6F175D3DCCD1}">
-              <a14:hiddenFill xmlns="" xmlns:a14="http://schemas.microsoft.com/office/drawing/2010/main">
+              <a14:hiddenFill xmlns:a14="http://schemas.microsoft.com/office/drawing/2010/main" xmlns="">
                 <a:solidFill>
                   <a:srgbClr val="FFFFFF"/>
                 </a:solidFill>
               </a14:hiddenFill>
             </a:ext>
             <a:ext uri="{91240B29-F687-4f45-9708-019B960494DF}">
-              <a14:hiddenLine xmlns="" xmlns:a14="http://schemas.microsoft.com/office/drawing/2010/main" w="9525">
+              <a14:hiddenLine xmlns:a14="http://schemas.microsoft.com/office/drawing/2010/main" xmlns="" w="9525">
                 <a:solidFill>
                   <a:srgbClr val="000000"/>
                 </a:solidFill>
@@ -3860,114 +3860,6 @@
       </p:sp>
       <p:sp>
         <p:nvSpPr>
-          <p:cNvPr id="10" name="Title 1">
-            <a:extLst>
-              <a:ext uri="{FF2B5EF4-FFF2-40B4-BE49-F238E27FC236}">
-                <a16:creationId xmlns:a16="http://schemas.microsoft.com/office/drawing/2014/main" id="{AEDE52C5-48C5-F54B-B21D-86D4F411CC4B}"/>
-              </a:ext>
-            </a:extLst>
-          </p:cNvPr>
-          <p:cNvSpPr txBox="1">
-            <a:spLocks/>
-          </p:cNvSpPr>
-          <p:nvPr/>
-        </p:nvSpPr>
-        <p:spPr>
-          <a:xfrm>
-            <a:off x="5879976" y="1219199"/>
-            <a:ext cx="6235824" cy="1161346"/>
-          </a:xfrm>
-          <a:prstGeom prst="rect">
-            <a:avLst/>
-          </a:prstGeom>
-        </p:spPr>
-        <p:txBody>
-          <a:bodyPr anchor="ctr"/>
-          <a:lstStyle>
-            <a:lvl1pPr algn="r">
-              <a:defRPr sz="3200" baseline="0">
-                <a:solidFill>
-                  <a:schemeClr val="bg1"/>
-                </a:solidFill>
-                <a:latin typeface="Adobe Jenson Pro" pitchFamily="18" charset="0"/>
-              </a:defRPr>
-            </a:lvl1pPr>
-          </a:lstStyle>
-          <a:p>
-            <a:pPr>
-              <a:defRPr/>
-            </a:pPr>
-            <a:r>
-              <a:rPr lang="en-US" sz="1800" dirty="0">
-                <a:latin typeface="Calibri"/>
-                <a:cs typeface="Calibri"/>
-              </a:rPr>
-              <a:t>Kelsy Cotto, Felicia Gomez, Obi Griffith, Malachi Griffith, </a:t>
-            </a:r>
-          </a:p>
-          <a:p>
-            <a:pPr>
-              <a:defRPr/>
-            </a:pPr>
-            <a:r>
-              <a:rPr lang="en-US" sz="1800" dirty="0">
-                <a:latin typeface="Calibri"/>
-                <a:cs typeface="Calibri"/>
-              </a:rPr>
-              <a:t>Allegra Petti, Megan </a:t>
-            </a:r>
-            <a:r>
-              <a:rPr lang="en-US" sz="1800" dirty="0" err="1">
-                <a:latin typeface="Calibri"/>
-                <a:cs typeface="Calibri"/>
-              </a:rPr>
-              <a:t>Richters</a:t>
-            </a:r>
-            <a:r>
-              <a:rPr lang="en-US" sz="1800" dirty="0">
-                <a:latin typeface="Calibri"/>
-                <a:cs typeface="Calibri"/>
-              </a:rPr>
-              <a:t>, Huiming Xia</a:t>
-            </a:r>
-          </a:p>
-          <a:p>
-            <a:pPr>
-              <a:defRPr/>
-            </a:pPr>
-            <a:r>
-              <a:rPr lang="en-US" sz="1800" dirty="0">
-                <a:ln w="1270">
-                  <a:solidFill>
-                    <a:schemeClr val="tx1">
-                      <a:alpha val="38000"/>
-                    </a:schemeClr>
-                  </a:solidFill>
-                </a:ln>
-                <a:latin typeface="Calibri"/>
-                <a:cs typeface="Calibri"/>
-              </a:rPr>
-              <a:t>Advanced Sequencing Technologies &amp; Bioinformatics Analysis </a:t>
-            </a:r>
-            <a:r>
-              <a:rPr lang="en-US" sz="1600" dirty="0">
-                <a:ln w="1270">
-                  <a:solidFill>
-                    <a:schemeClr val="tx1">
-                      <a:alpha val="38000"/>
-                    </a:schemeClr>
-                  </a:solidFill>
-                </a:ln>
-                <a:latin typeface="Calibri"/>
-                <a:cs typeface="Calibri"/>
-              </a:rPr>
-              <a:t>November 16-20, 2020</a:t>
-            </a:r>
-          </a:p>
-        </p:txBody>
-      </p:sp>
-      <p:sp>
-        <p:nvSpPr>
           <p:cNvPr id="16" name="Rectangle 15">
             <a:extLst>
               <a:ext uri="{FF2B5EF4-FFF2-40B4-BE49-F238E27FC236}">
@@ -4098,14 +3990,14 @@
           </a:ln>
           <a:extLst>
             <a:ext uri="{909E8E84-426E-40dd-AFC4-6F175D3DCCD1}">
-              <a14:hiddenFill xmlns:a14="http://schemas.microsoft.com/office/drawing/2010/main" xmlns="">
+              <a14:hiddenFill xmlns="" xmlns:a14="http://schemas.microsoft.com/office/drawing/2010/main">
                 <a:solidFill>
                   <a:srgbClr val="FFFFFF"/>
                 </a:solidFill>
               </a14:hiddenFill>
             </a:ext>
             <a:ext uri="{91240B29-F687-4f45-9708-019B960494DF}">
-              <a14:hiddenLine xmlns:a14="http://schemas.microsoft.com/office/drawing/2010/main" xmlns="" w="9525">
+              <a14:hiddenLine xmlns="" xmlns:a14="http://schemas.microsoft.com/office/drawing/2010/main" w="9525">
                 <a:solidFill>
                   <a:srgbClr val="000000"/>
                 </a:solidFill>
@@ -4153,6 +4045,128 @@
           </a:prstGeom>
         </p:spPr>
       </p:pic>
+      <p:sp>
+        <p:nvSpPr>
+          <p:cNvPr id="8" name="Title 1">
+            <a:extLst>
+              <a:ext uri="{FF2B5EF4-FFF2-40B4-BE49-F238E27FC236}">
+                <a16:creationId xmlns:a16="http://schemas.microsoft.com/office/drawing/2014/main" id="{68C7F80C-1C4E-D249-A647-44A81F5186FE}"/>
+              </a:ext>
+            </a:extLst>
+          </p:cNvPr>
+          <p:cNvSpPr txBox="1">
+            <a:spLocks/>
+          </p:cNvSpPr>
+          <p:nvPr/>
+        </p:nvSpPr>
+        <p:spPr>
+          <a:xfrm>
+            <a:off x="3647728" y="1219199"/>
+            <a:ext cx="8468072" cy="1161346"/>
+          </a:xfrm>
+          <a:prstGeom prst="rect">
+            <a:avLst/>
+          </a:prstGeom>
+        </p:spPr>
+        <p:txBody>
+          <a:bodyPr anchor="ctr"/>
+          <a:lstStyle>
+            <a:lvl1pPr algn="r">
+              <a:defRPr sz="3200" baseline="0">
+                <a:solidFill>
+                  <a:schemeClr val="bg1"/>
+                </a:solidFill>
+                <a:latin typeface="Adobe Jenson Pro" pitchFamily="18" charset="0"/>
+              </a:defRPr>
+            </a:lvl1pPr>
+          </a:lstStyle>
+          <a:p>
+            <a:pPr>
+              <a:defRPr/>
+            </a:pPr>
+            <a:r>
+              <a:rPr lang="en-US" sz="1800" dirty="0">
+                <a:latin typeface="Calibri"/>
+                <a:cs typeface="Calibri"/>
+              </a:rPr>
+              <a:t>John Chamberlin, </a:t>
+            </a:r>
+            <a:r>
+              <a:rPr lang="en-US" sz="1800" dirty="0" err="1">
+                <a:latin typeface="Calibri"/>
+                <a:cs typeface="Calibri"/>
+              </a:rPr>
+              <a:t>Kelsy</a:t>
+            </a:r>
+            <a:r>
+              <a:rPr lang="en-US" sz="1800" dirty="0">
+                <a:latin typeface="Calibri"/>
+                <a:cs typeface="Calibri"/>
+              </a:rPr>
+              <a:t> Cotto, Felicia Gomez, Obi Griffith, Malachi Griffith, </a:t>
+            </a:r>
+          </a:p>
+          <a:p>
+            <a:pPr>
+              <a:defRPr/>
+            </a:pPr>
+            <a:r>
+              <a:rPr lang="en-US" sz="1800" dirty="0">
+                <a:latin typeface="Calibri"/>
+                <a:cs typeface="Calibri"/>
+              </a:rPr>
+              <a:t>Simone Longo, Allegra Petti, Aaron Quinlan, Megan </a:t>
+            </a:r>
+            <a:r>
+              <a:rPr lang="en-US" sz="1800" dirty="0" err="1">
+                <a:latin typeface="Calibri"/>
+                <a:cs typeface="Calibri"/>
+              </a:rPr>
+              <a:t>Richters</a:t>
+            </a:r>
+            <a:r>
+              <a:rPr lang="en-US" sz="1800" dirty="0">
+                <a:latin typeface="Calibri"/>
+                <a:cs typeface="Calibri"/>
+              </a:rPr>
+              <a:t>, Huiming Xia</a:t>
+            </a:r>
+          </a:p>
+          <a:p>
+            <a:pPr>
+              <a:defRPr/>
+            </a:pPr>
+            <a:r>
+              <a:rPr lang="en-US" sz="1800" dirty="0">
+                <a:ln w="1270">
+                  <a:solidFill>
+                    <a:schemeClr val="tx1">
+                      <a:alpha val="38000"/>
+                    </a:schemeClr>
+                  </a:solidFill>
+                </a:ln>
+                <a:latin typeface="Calibri"/>
+                <a:cs typeface="Calibri"/>
+              </a:rPr>
+              <a:t>Advanced Sequencing Technologies &amp; Bioinformatics Analysis </a:t>
+            </a:r>
+            <a:r>
+              <a:rPr lang="en-US" sz="1600" dirty="0">
+                <a:ln w="1270">
+                  <a:solidFill>
+                    <a:schemeClr val="tx1">
+                      <a:alpha val="38000"/>
+                    </a:schemeClr>
+                  </a:solidFill>
+                </a:ln>
+                <a:latin typeface="Calibri"/>
+                <a:cs typeface="Calibri"/>
+              </a:rPr>
+              <a:t>November 16-20, 2020</a:t>
+            </a:r>
+          </a:p>
+        </p:txBody>
+      </p:sp>
     </p:spTree>
     <p:extLst>
       <p:ext uri="{BB962C8B-B14F-4D97-AF65-F5344CB8AC3E}">
@@ -4588,14 +4602,14 @@
           </a:ln>
           <a:extLst>
             <a:ext uri="{909E8E84-426E-40dd-AFC4-6F175D3DCCD1}">
-              <a14:hiddenFill xmlns:a14="http://schemas.microsoft.com/office/drawing/2010/main" xmlns="">
+              <a14:hiddenFill xmlns="" xmlns:a14="http://schemas.microsoft.com/office/drawing/2010/main">
                 <a:solidFill>
                   <a:srgbClr val="FFFFFF"/>
                 </a:solidFill>
               </a14:hiddenFill>
             </a:ext>
             <a:ext uri="{91240B29-F687-4f45-9708-019B960494DF}">
-              <a14:hiddenLine xmlns:a14="http://schemas.microsoft.com/office/drawing/2010/main" xmlns="" w="9525">
+              <a14:hiddenLine xmlns="" xmlns:a14="http://schemas.microsoft.com/office/drawing/2010/main" w="9525">
                 <a:solidFill>
                   <a:srgbClr val="000000"/>
                 </a:solidFill>

--- a/assets/lectures/cshl/2020/mini/RNASeq_MiniLecture_02_02_Alignment_vs_Assembly_vs_Kmer.pptx
+++ b/assets/lectures/cshl/2020/mini/RNASeq_MiniLecture_02_02_Alignment_vs_Assembly_vs_Kmer.pptx
@@ -9,8 +9,8 @@
   </p:notesMasterIdLst>
   <p:sldIdLst>
     <p:sldId id="515" r:id="rId2"/>
-    <p:sldId id="264" r:id="rId3"/>
-    <p:sldId id="262" r:id="rId4"/>
+    <p:sldId id="262" r:id="rId3"/>
+    <p:sldId id="264" r:id="rId4"/>
     <p:sldId id="266" r:id="rId5"/>
     <p:sldId id="267" r:id="rId6"/>
   </p:sldIdLst>
@@ -201,7 +201,7 @@
           <a:p>
             <a:fld id="{827BD9F9-8452-A342-BB1B-28ECF19E2CC5}" type="datetimeFigureOut">
               <a:rPr lang="en-US" smtClean="0"/>
-              <a:t>11/9/20</a:t>
+              <a:t>11/19/20</a:t>
             </a:fld>
             <a:endParaRPr lang="en-US"/>
           </a:p>
@@ -862,14 +862,14 @@
           </a:ln>
           <a:extLst>
             <a:ext uri="{909E8E84-426E-40dd-AFC4-6F175D3DCCD1}">
-              <a14:hiddenFill xmlns="" xmlns:a14="http://schemas.microsoft.com/office/drawing/2010/main">
+              <a14:hiddenFill xmlns:a14="http://schemas.microsoft.com/office/drawing/2010/main" xmlns="">
                 <a:solidFill>
                   <a:srgbClr val="FFFFFF"/>
                 </a:solidFill>
               </a14:hiddenFill>
             </a:ext>
             <a:ext uri="{91240B29-F687-4f45-9708-019B960494DF}">
-              <a14:hiddenLine xmlns="" xmlns:a14="http://schemas.microsoft.com/office/drawing/2010/main" w="9525">
+              <a14:hiddenLine xmlns:a14="http://schemas.microsoft.com/office/drawing/2010/main" xmlns="" w="9525">
                 <a:solidFill>
                   <a:srgbClr val="000000"/>
                 </a:solidFill>
@@ -1364,14 +1364,14 @@
           </a:ln>
           <a:extLst>
             <a:ext uri="{909E8E84-426E-40dd-AFC4-6F175D3DCCD1}">
-              <a14:hiddenFill xmlns="" xmlns:a14="http://schemas.microsoft.com/office/drawing/2010/main">
+              <a14:hiddenFill xmlns:a14="http://schemas.microsoft.com/office/drawing/2010/main" xmlns="">
                 <a:solidFill>
                   <a:srgbClr val="FFFFFF"/>
                 </a:solidFill>
               </a14:hiddenFill>
             </a:ext>
             <a:ext uri="{91240B29-F687-4f45-9708-019B960494DF}">
-              <a14:hiddenLine xmlns="" xmlns:a14="http://schemas.microsoft.com/office/drawing/2010/main" w="9525">
+              <a14:hiddenLine xmlns:a14="http://schemas.microsoft.com/office/drawing/2010/main" xmlns="" w="9525">
                 <a:solidFill>
                   <a:srgbClr val="000000"/>
                 </a:solidFill>
@@ -3089,14 +3089,14 @@
           </a:ln>
           <a:extLst>
             <a:ext uri="{909E8E84-426E-40dd-AFC4-6F175D3DCCD1}">
-              <a14:hiddenFill xmlns:a14="http://schemas.microsoft.com/office/drawing/2010/main" xmlns="">
+              <a14:hiddenFill xmlns="" xmlns:a14="http://schemas.microsoft.com/office/drawing/2010/main">
                 <a:solidFill>
                   <a:srgbClr val="FFFFFF"/>
                 </a:solidFill>
               </a14:hiddenFill>
             </a:ext>
             <a:ext uri="{91240B29-F687-4f45-9708-019B960494DF}">
-              <a14:hiddenLine xmlns:a14="http://schemas.microsoft.com/office/drawing/2010/main" xmlns="" w="9525">
+              <a14:hiddenLine xmlns="" xmlns:a14="http://schemas.microsoft.com/office/drawing/2010/main" w="9525">
                 <a:solidFill>
                   <a:srgbClr val="000000"/>
                 </a:solidFill>
@@ -3990,14 +3990,14 @@
           </a:ln>
           <a:extLst>
             <a:ext uri="{909E8E84-426E-40dd-AFC4-6F175D3DCCD1}">
-              <a14:hiddenFill xmlns="" xmlns:a14="http://schemas.microsoft.com/office/drawing/2010/main">
+              <a14:hiddenFill xmlns:a14="http://schemas.microsoft.com/office/drawing/2010/main" xmlns="">
                 <a:solidFill>
                   <a:srgbClr val="FFFFFF"/>
                 </a:solidFill>
               </a14:hiddenFill>
             </a:ext>
             <a:ext uri="{91240B29-F687-4f45-9708-019B960494DF}">
-              <a14:hiddenLine xmlns="" xmlns:a14="http://schemas.microsoft.com/office/drawing/2010/main" w="9525">
+              <a14:hiddenLine xmlns:a14="http://schemas.microsoft.com/office/drawing/2010/main" xmlns="" w="9525">
                 <a:solidFill>
                   <a:srgbClr val="000000"/>
                 </a:solidFill>
@@ -4224,41 +4224,11 @@
                 <a:latin typeface="Calibri" panose="020F0502020204030204" pitchFamily="34" charset="0"/>
                 <a:cs typeface="Calibri" panose="020F0502020204030204" pitchFamily="34" charset="0"/>
               </a:rPr>
-              <a:t>Assembly</a:t>
+              <a:t>Alignment</a:t>
             </a:r>
           </a:p>
         </p:txBody>
       </p:sp>
-      <p:pic>
-        <p:nvPicPr>
-          <p:cNvPr id="13" name="Picture 12">
-            <a:extLst>
-              <a:ext uri="{FF2B5EF4-FFF2-40B4-BE49-F238E27FC236}">
-                <a16:creationId xmlns:a16="http://schemas.microsoft.com/office/drawing/2014/main" id="{9E98E2D7-EC46-2A45-9812-69336E1E392D}"/>
-              </a:ext>
-            </a:extLst>
-          </p:cNvPr>
-          <p:cNvPicPr>
-            <a:picLocks noChangeAspect="1"/>
-          </p:cNvPicPr>
-          <p:nvPr/>
-        </p:nvPicPr>
-        <p:blipFill>
-          <a:blip r:embed="rId2"/>
-          <a:stretch>
-            <a:fillRect/>
-          </a:stretch>
-        </p:blipFill>
-        <p:spPr>
-          <a:xfrm>
-            <a:off x="6094315" y="294730"/>
-            <a:ext cx="4575329" cy="5763244"/>
-          </a:xfrm>
-          <a:prstGeom prst="rect">
-            <a:avLst/>
-          </a:prstGeom>
-        </p:spPr>
-      </p:pic>
       <p:sp>
         <p:nvSpPr>
           <p:cNvPr id="25" name="Content Placeholder 2">
@@ -4278,7 +4248,7 @@
         <p:spPr>
           <a:xfrm>
             <a:off x="582168" y="1111721"/>
-            <a:ext cx="5123688" cy="4949825"/>
+            <a:ext cx="9902952" cy="4949825"/>
           </a:xfrm>
         </p:spPr>
         <p:txBody>
@@ -4296,7 +4266,7 @@
                 <a:ea typeface="ＭＳ Ｐゴシック" charset="0"/>
                 <a:cs typeface="Calibri" panose="020F0502020204030204" pitchFamily="34" charset="0"/>
               </a:rPr>
-              <a:t>Infer transcript structure directly from the data</a:t>
+              <a:t>Uses a reference genome/transcriptome to map reads</a:t>
             </a:r>
           </a:p>
           <a:p>
@@ -4309,7 +4279,7 @@
                 <a:ea typeface="ＭＳ Ｐゴシック" charset="0"/>
                 <a:cs typeface="Calibri" panose="020F0502020204030204" pitchFamily="34" charset="0"/>
               </a:rPr>
-              <a:t>Useful when you do not have a reference sequence</a:t>
+              <a:t>Capable of some novel transcript inference</a:t>
             </a:r>
           </a:p>
           <a:p>
@@ -4322,7 +4292,7 @@
                 <a:ea typeface="ＭＳ Ｐゴシック" charset="0"/>
                 <a:cs typeface="Calibri" panose="020F0502020204030204" pitchFamily="34" charset="0"/>
               </a:rPr>
-              <a:t>Other uses – highly rearranged genomes (some cancers)</a:t>
+              <a:t>Relatively fast runtime</a:t>
             </a:r>
           </a:p>
           <a:p>
@@ -4335,77 +4305,239 @@
                 <a:ea typeface="ＭＳ Ｐゴシック" charset="0"/>
                 <a:cs typeface="Calibri" panose="020F0502020204030204" pitchFamily="34" charset="0"/>
               </a:rPr>
-              <a:t>Computationally expensive</a:t>
-            </a:r>
-          </a:p>
-          <a:p>
-            <a:pPr>
-              <a:defRPr/>
-            </a:pPr>
-            <a:r>
-              <a:rPr lang="en-US" dirty="0">
-                <a:latin typeface="Calibri" panose="020F0502020204030204" pitchFamily="34" charset="0"/>
-                <a:ea typeface="ＭＳ Ｐゴシック" charset="0"/>
-                <a:cs typeface="Calibri" panose="020F0502020204030204" pitchFamily="34" charset="0"/>
-              </a:rPr>
-              <a:t>Tools: Trinity, Velvet, </a:t>
-            </a:r>
-            <a:r>
-              <a:rPr lang="en-US" dirty="0" err="1">
-                <a:latin typeface="Calibri" panose="020F0502020204030204" pitchFamily="34" charset="0"/>
-                <a:ea typeface="ＭＳ Ｐゴシック" charset="0"/>
-                <a:cs typeface="Calibri" panose="020F0502020204030204" pitchFamily="34" charset="0"/>
-              </a:rPr>
-              <a:t>SPAdes</a:t>
-            </a:r>
-            <a:endParaRPr lang="en-US" dirty="0">
-              <a:latin typeface="Calibri" panose="020F0502020204030204" pitchFamily="34" charset="0"/>
-              <a:ea typeface="ＭＳ Ｐゴシック" charset="0"/>
-              <a:cs typeface="Calibri" panose="020F0502020204030204" pitchFamily="34" charset="0"/>
-            </a:endParaRPr>
+              <a:t>Tools: HISAT2, STAR, GSNAP</a:t>
+            </a:r>
           </a:p>
         </p:txBody>
       </p:sp>
-      <p:sp>
-        <p:nvSpPr>
-          <p:cNvPr id="3" name="TextBox 2">
+      <p:pic>
+        <p:nvPicPr>
+          <p:cNvPr id="26" name="Picture 25">
             <a:extLst>
               <a:ext uri="{FF2B5EF4-FFF2-40B4-BE49-F238E27FC236}">
-                <a16:creationId xmlns:a16="http://schemas.microsoft.com/office/drawing/2014/main" id="{A1128747-9506-4749-94BB-23A91E79761A}"/>
+                <a16:creationId xmlns:a16="http://schemas.microsoft.com/office/drawing/2014/main" id="{DB346A8B-CAEA-554D-B217-85CB5F902212}"/>
               </a:ext>
             </a:extLst>
           </p:cNvPr>
-          <p:cNvSpPr txBox="1"/>
+          <p:cNvPicPr>
+            <a:picLocks noChangeAspect="1"/>
+          </p:cNvPicPr>
+          <p:nvPr/>
+        </p:nvPicPr>
+        <p:blipFill rotWithShape="1">
+          <a:blip r:embed="rId2"/>
+          <a:srcRect l="15529" b="76561"/>
+          <a:stretch/>
+        </p:blipFill>
+        <p:spPr>
+          <a:xfrm>
+            <a:off x="5109464" y="3636242"/>
+            <a:ext cx="6879336" cy="2312461"/>
+          </a:xfrm>
+          <a:prstGeom prst="rect">
+            <a:avLst/>
+          </a:prstGeom>
+        </p:spPr>
+      </p:pic>
+      <p:sp>
+        <p:nvSpPr>
+          <p:cNvPr id="28" name="TextBox 4">
+            <a:extLst>
+              <a:ext uri="{FF2B5EF4-FFF2-40B4-BE49-F238E27FC236}">
+                <a16:creationId xmlns:a16="http://schemas.microsoft.com/office/drawing/2014/main" id="{5AFEB9DE-982C-574C-87C9-AE0E2A683FF0}"/>
+              </a:ext>
+            </a:extLst>
+          </p:cNvPr>
+          <p:cNvSpPr txBox="1">
+            <a:spLocks noChangeArrowheads="1"/>
+          </p:cNvSpPr>
           <p:nvPr/>
         </p:nvSpPr>
-        <p:spPr>
-          <a:xfrm>
-            <a:off x="7243062" y="6057974"/>
-            <a:ext cx="4552849" cy="307777"/>
+        <p:spPr bwMode="auto">
+          <a:xfrm>
+            <a:off x="8232296" y="6061546"/>
+            <a:ext cx="4176464" cy="338554"/>
           </a:xfrm>
           <a:prstGeom prst="rect">
             <a:avLst/>
           </a:prstGeom>
           <a:noFill/>
+          <a:ln>
+            <a:noFill/>
+          </a:ln>
+          <a:extLst>
+            <a:ext uri="{909E8E84-426E-40dd-AFC4-6F175D3DCCD1}">
+              <a14:hiddenFill xmlns:a14="http://schemas.microsoft.com/office/drawing/2010/main" xmlns="">
+                <a:solidFill>
+                  <a:srgbClr val="FFFFFF"/>
+                </a:solidFill>
+              </a14:hiddenFill>
+            </a:ext>
+            <a:ext uri="{91240B29-F687-4f45-9708-019B960494DF}">
+              <a14:hiddenLine xmlns:a14="http://schemas.microsoft.com/office/drawing/2010/main" xmlns="" w="9525">
+                <a:solidFill>
+                  <a:srgbClr val="000000"/>
+                </a:solidFill>
+                <a:miter lim="800000"/>
+                <a:headEnd/>
+                <a:tailEnd/>
+              </a14:hiddenLine>
+            </a:ext>
+          </a:extLst>
         </p:spPr>
         <p:txBody>
-          <a:bodyPr wrap="none" rtlCol="0">
+          <a:bodyPr wrap="square">
             <a:spAutoFit/>
           </a:bodyPr>
-          <a:lstStyle/>
-          <a:p>
-            <a:r>
-              <a:rPr lang="nl" sz="1400" dirty="0"/>
-              <a:t>Haas, et al (2013) doi: 10.1038/nprot.2013.084</a:t>
-            </a:r>
-            <a:endParaRPr lang="en-US" sz="1400" dirty="0"/>
+          <a:lstStyle>
+            <a:lvl1pPr eaLnBrk="0" hangingPunct="0">
+              <a:defRPr sz="2400">
+                <a:solidFill>
+                  <a:schemeClr val="tx1"/>
+                </a:solidFill>
+                <a:latin typeface="Arial" charset="0"/>
+                <a:ea typeface="ＭＳ Ｐゴシック" charset="0"/>
+                <a:cs typeface="ＭＳ Ｐゴシック" charset="0"/>
+              </a:defRPr>
+            </a:lvl1pPr>
+            <a:lvl2pPr marL="742950" indent="-285750" eaLnBrk="0" hangingPunct="0">
+              <a:defRPr sz="2400">
+                <a:solidFill>
+                  <a:schemeClr val="tx1"/>
+                </a:solidFill>
+                <a:latin typeface="Arial" charset="0"/>
+                <a:ea typeface="ＭＳ Ｐゴシック" charset="0"/>
+              </a:defRPr>
+            </a:lvl2pPr>
+            <a:lvl3pPr marL="1143000" indent="-228600" eaLnBrk="0" hangingPunct="0">
+              <a:defRPr sz="2400">
+                <a:solidFill>
+                  <a:schemeClr val="tx1"/>
+                </a:solidFill>
+                <a:latin typeface="Arial" charset="0"/>
+                <a:ea typeface="ＭＳ Ｐゴシック" charset="0"/>
+              </a:defRPr>
+            </a:lvl3pPr>
+            <a:lvl4pPr marL="1600200" indent="-228600" eaLnBrk="0" hangingPunct="0">
+              <a:defRPr sz="2400">
+                <a:solidFill>
+                  <a:schemeClr val="tx1"/>
+                </a:solidFill>
+                <a:latin typeface="Arial" charset="0"/>
+                <a:ea typeface="ＭＳ Ｐゴシック" charset="0"/>
+              </a:defRPr>
+            </a:lvl4pPr>
+            <a:lvl5pPr marL="2057400" indent="-228600" eaLnBrk="0" hangingPunct="0">
+              <a:defRPr sz="2400">
+                <a:solidFill>
+                  <a:schemeClr val="tx1"/>
+                </a:solidFill>
+                <a:latin typeface="Arial" charset="0"/>
+                <a:ea typeface="ＭＳ Ｐゴシック" charset="0"/>
+              </a:defRPr>
+            </a:lvl5pPr>
+            <a:lvl6pPr marL="2514600" indent="-228600" eaLnBrk="0" fontAlgn="base" hangingPunct="0">
+              <a:spcBef>
+                <a:spcPct val="0"/>
+              </a:spcBef>
+              <a:spcAft>
+                <a:spcPct val="0"/>
+              </a:spcAft>
+              <a:defRPr sz="2400">
+                <a:solidFill>
+                  <a:schemeClr val="tx1"/>
+                </a:solidFill>
+                <a:latin typeface="Arial" charset="0"/>
+                <a:ea typeface="ＭＳ Ｐゴシック" charset="0"/>
+              </a:defRPr>
+            </a:lvl6pPr>
+            <a:lvl7pPr marL="2971800" indent="-228600" eaLnBrk="0" fontAlgn="base" hangingPunct="0">
+              <a:spcBef>
+                <a:spcPct val="0"/>
+              </a:spcBef>
+              <a:spcAft>
+                <a:spcPct val="0"/>
+              </a:spcAft>
+              <a:defRPr sz="2400">
+                <a:solidFill>
+                  <a:schemeClr val="tx1"/>
+                </a:solidFill>
+                <a:latin typeface="Arial" charset="0"/>
+                <a:ea typeface="ＭＳ Ｐゴシック" charset="0"/>
+              </a:defRPr>
+            </a:lvl7pPr>
+            <a:lvl8pPr marL="3429000" indent="-228600" eaLnBrk="0" fontAlgn="base" hangingPunct="0">
+              <a:spcBef>
+                <a:spcPct val="0"/>
+              </a:spcBef>
+              <a:spcAft>
+                <a:spcPct val="0"/>
+              </a:spcAft>
+              <a:defRPr sz="2400">
+                <a:solidFill>
+                  <a:schemeClr val="tx1"/>
+                </a:solidFill>
+                <a:latin typeface="Arial" charset="0"/>
+                <a:ea typeface="ＭＳ Ｐゴシック" charset="0"/>
+              </a:defRPr>
+            </a:lvl8pPr>
+            <a:lvl9pPr marL="3886200" indent="-228600" eaLnBrk="0" fontAlgn="base" hangingPunct="0">
+              <a:spcBef>
+                <a:spcPct val="0"/>
+              </a:spcBef>
+              <a:spcAft>
+                <a:spcPct val="0"/>
+              </a:spcAft>
+              <a:defRPr sz="2400">
+                <a:solidFill>
+                  <a:schemeClr val="tx1"/>
+                </a:solidFill>
+                <a:latin typeface="Arial" charset="0"/>
+                <a:ea typeface="ＭＳ Ｐゴシック" charset="0"/>
+              </a:defRPr>
+            </a:lvl9pPr>
+          </a:lstStyle>
+          <a:p>
+            <a:pPr marL="0" marR="0" lvl="0" indent="0" algn="l" defTabSz="914400" rtl="0" eaLnBrk="1" fontAlgn="auto" latinLnBrk="0" hangingPunct="1">
+              <a:lnSpc>
+                <a:spcPct val="100000"/>
+              </a:lnSpc>
+              <a:spcBef>
+                <a:spcPts val="0"/>
+              </a:spcBef>
+              <a:spcAft>
+                <a:spcPts val="0"/>
+              </a:spcAft>
+              <a:buClrTx/>
+              <a:buSzTx/>
+              <a:buFontTx/>
+              <a:buNone/>
+              <a:tabLst/>
+              <a:defRPr/>
+            </a:pPr>
+            <a:r>
+              <a:rPr kumimoji="0" lang="en-US" sz="1600" b="0" i="0" u="none" strike="noStrike" kern="1200" cap="none" spc="0" normalizeH="0" baseline="0" noProof="0" dirty="0">
+                <a:ln>
+                  <a:noFill/>
+                </a:ln>
+                <a:solidFill>
+                  <a:prstClr val="black"/>
+                </a:solidFill>
+                <a:effectLst/>
+                <a:uLnTx/>
+                <a:uFillTx/>
+                <a:latin typeface="Arial" charset="0"/>
+                <a:ea typeface="ＭＳ Ｐゴシック" charset="0"/>
+              </a:rPr>
+              <a:t>Kim et al. 2015. Nat Methods 12:357–360 </a:t>
+            </a:r>
           </a:p>
         </p:txBody>
       </p:sp>
     </p:spTree>
     <p:extLst>
       <p:ext uri="{BB962C8B-B14F-4D97-AF65-F5344CB8AC3E}">
-        <p14:creationId xmlns:p14="http://schemas.microsoft.com/office/powerpoint/2010/main" val="818953173"/>
+        <p14:creationId xmlns:p14="http://schemas.microsoft.com/office/powerpoint/2010/main" val="2013802326"/>
       </p:ext>
     </p:extLst>
   </p:cSld>
@@ -4459,11 +4591,41 @@
                 <a:latin typeface="Calibri" panose="020F0502020204030204" pitchFamily="34" charset="0"/>
                 <a:cs typeface="Calibri" panose="020F0502020204030204" pitchFamily="34" charset="0"/>
               </a:rPr>
-              <a:t>Alignment</a:t>
+              <a:t>Assembly</a:t>
             </a:r>
           </a:p>
         </p:txBody>
       </p:sp>
+      <p:pic>
+        <p:nvPicPr>
+          <p:cNvPr id="13" name="Picture 12">
+            <a:extLst>
+              <a:ext uri="{FF2B5EF4-FFF2-40B4-BE49-F238E27FC236}">
+                <a16:creationId xmlns:a16="http://schemas.microsoft.com/office/drawing/2014/main" id="{9E98E2D7-EC46-2A45-9812-69336E1E392D}"/>
+              </a:ext>
+            </a:extLst>
+          </p:cNvPr>
+          <p:cNvPicPr>
+            <a:picLocks noChangeAspect="1"/>
+          </p:cNvPicPr>
+          <p:nvPr/>
+        </p:nvPicPr>
+        <p:blipFill>
+          <a:blip r:embed="rId2"/>
+          <a:stretch>
+            <a:fillRect/>
+          </a:stretch>
+        </p:blipFill>
+        <p:spPr>
+          <a:xfrm>
+            <a:off x="6094315" y="294730"/>
+            <a:ext cx="4575329" cy="5763244"/>
+          </a:xfrm>
+          <a:prstGeom prst="rect">
+            <a:avLst/>
+          </a:prstGeom>
+        </p:spPr>
+      </p:pic>
       <p:sp>
         <p:nvSpPr>
           <p:cNvPr id="25" name="Content Placeholder 2">
@@ -4483,7 +4645,7 @@
         <p:spPr>
           <a:xfrm>
             <a:off x="582168" y="1111721"/>
-            <a:ext cx="9902952" cy="4949825"/>
+            <a:ext cx="5123688" cy="4949825"/>
           </a:xfrm>
         </p:spPr>
         <p:txBody>
@@ -4501,7 +4663,7 @@
                 <a:ea typeface="ＭＳ Ｐゴシック" charset="0"/>
                 <a:cs typeface="Calibri" panose="020F0502020204030204" pitchFamily="34" charset="0"/>
               </a:rPr>
-              <a:t>Uses a reference genome/transcriptome to map reads</a:t>
+              <a:t>Infer transcript structure directly from the data</a:t>
             </a:r>
           </a:p>
           <a:p>
@@ -4514,7 +4676,7 @@
                 <a:ea typeface="ＭＳ Ｐゴシック" charset="0"/>
                 <a:cs typeface="Calibri" panose="020F0502020204030204" pitchFamily="34" charset="0"/>
               </a:rPr>
-              <a:t>Capable of some novel transcript inference</a:t>
+              <a:t>Useful when you do not have a reference sequence</a:t>
             </a:r>
           </a:p>
           <a:p>
@@ -4527,7 +4689,7 @@
                 <a:ea typeface="ＭＳ Ｐゴシック" charset="0"/>
                 <a:cs typeface="Calibri" panose="020F0502020204030204" pitchFamily="34" charset="0"/>
               </a:rPr>
-              <a:t>Relatively fast runtime</a:t>
+              <a:t>Other uses – highly rearranged genomes (some cancers)</a:t>
             </a:r>
           </a:p>
           <a:p>
@@ -4540,239 +4702,77 @@
                 <a:ea typeface="ＭＳ Ｐゴシック" charset="0"/>
                 <a:cs typeface="Calibri" panose="020F0502020204030204" pitchFamily="34" charset="0"/>
               </a:rPr>
-              <a:t>Tools: HISAT2, STAR, GSNAP</a:t>
-            </a:r>
+              <a:t>Computationally expensive</a:t>
+            </a:r>
+          </a:p>
+          <a:p>
+            <a:pPr>
+              <a:defRPr/>
+            </a:pPr>
+            <a:r>
+              <a:rPr lang="en-US" dirty="0">
+                <a:latin typeface="Calibri" panose="020F0502020204030204" pitchFamily="34" charset="0"/>
+                <a:ea typeface="ＭＳ Ｐゴシック" charset="0"/>
+                <a:cs typeface="Calibri" panose="020F0502020204030204" pitchFamily="34" charset="0"/>
+              </a:rPr>
+              <a:t>Tools: Trinity, Velvet, </a:t>
+            </a:r>
+            <a:r>
+              <a:rPr lang="en-US" dirty="0" err="1">
+                <a:latin typeface="Calibri" panose="020F0502020204030204" pitchFamily="34" charset="0"/>
+                <a:ea typeface="ＭＳ Ｐゴシック" charset="0"/>
+                <a:cs typeface="Calibri" panose="020F0502020204030204" pitchFamily="34" charset="0"/>
+              </a:rPr>
+              <a:t>SPAdes</a:t>
+            </a:r>
+            <a:endParaRPr lang="en-US" dirty="0">
+              <a:latin typeface="Calibri" panose="020F0502020204030204" pitchFamily="34" charset="0"/>
+              <a:ea typeface="ＭＳ Ｐゴシック" charset="0"/>
+              <a:cs typeface="Calibri" panose="020F0502020204030204" pitchFamily="34" charset="0"/>
+            </a:endParaRPr>
           </a:p>
         </p:txBody>
       </p:sp>
-      <p:pic>
-        <p:nvPicPr>
-          <p:cNvPr id="26" name="Picture 25">
+      <p:sp>
+        <p:nvSpPr>
+          <p:cNvPr id="3" name="TextBox 2">
             <a:extLst>
               <a:ext uri="{FF2B5EF4-FFF2-40B4-BE49-F238E27FC236}">
-                <a16:creationId xmlns:a16="http://schemas.microsoft.com/office/drawing/2014/main" id="{DB346A8B-CAEA-554D-B217-85CB5F902212}"/>
+                <a16:creationId xmlns:a16="http://schemas.microsoft.com/office/drawing/2014/main" id="{A1128747-9506-4749-94BB-23A91E79761A}"/>
               </a:ext>
             </a:extLst>
           </p:cNvPr>
-          <p:cNvPicPr>
-            <a:picLocks noChangeAspect="1"/>
-          </p:cNvPicPr>
-          <p:nvPr/>
-        </p:nvPicPr>
-        <p:blipFill rotWithShape="1">
-          <a:blip r:embed="rId2"/>
-          <a:srcRect l="15529" b="76561"/>
-          <a:stretch/>
-        </p:blipFill>
-        <p:spPr>
-          <a:xfrm>
-            <a:off x="5109464" y="3636242"/>
-            <a:ext cx="6879336" cy="2312461"/>
-          </a:xfrm>
-          <a:prstGeom prst="rect">
-            <a:avLst/>
-          </a:prstGeom>
-        </p:spPr>
-      </p:pic>
-      <p:sp>
-        <p:nvSpPr>
-          <p:cNvPr id="28" name="TextBox 4">
-            <a:extLst>
-              <a:ext uri="{FF2B5EF4-FFF2-40B4-BE49-F238E27FC236}">
-                <a16:creationId xmlns:a16="http://schemas.microsoft.com/office/drawing/2014/main" id="{5AFEB9DE-982C-574C-87C9-AE0E2A683FF0}"/>
-              </a:ext>
-            </a:extLst>
-          </p:cNvPr>
-          <p:cNvSpPr txBox="1">
-            <a:spLocks noChangeArrowheads="1"/>
-          </p:cNvSpPr>
+          <p:cNvSpPr txBox="1"/>
           <p:nvPr/>
         </p:nvSpPr>
-        <p:spPr bwMode="auto">
-          <a:xfrm>
-            <a:off x="8232296" y="6061546"/>
-            <a:ext cx="4176464" cy="338554"/>
+        <p:spPr>
+          <a:xfrm>
+            <a:off x="7243062" y="6057974"/>
+            <a:ext cx="4552849" cy="307777"/>
           </a:xfrm>
           <a:prstGeom prst="rect">
             <a:avLst/>
           </a:prstGeom>
           <a:noFill/>
-          <a:ln>
-            <a:noFill/>
-          </a:ln>
-          <a:extLst>
-            <a:ext uri="{909E8E84-426E-40dd-AFC4-6F175D3DCCD1}">
-              <a14:hiddenFill xmlns="" xmlns:a14="http://schemas.microsoft.com/office/drawing/2010/main">
-                <a:solidFill>
-                  <a:srgbClr val="FFFFFF"/>
-                </a:solidFill>
-              </a14:hiddenFill>
-            </a:ext>
-            <a:ext uri="{91240B29-F687-4f45-9708-019B960494DF}">
-              <a14:hiddenLine xmlns="" xmlns:a14="http://schemas.microsoft.com/office/drawing/2010/main" w="9525">
-                <a:solidFill>
-                  <a:srgbClr val="000000"/>
-                </a:solidFill>
-                <a:miter lim="800000"/>
-                <a:headEnd/>
-                <a:tailEnd/>
-              </a14:hiddenLine>
-            </a:ext>
-          </a:extLst>
         </p:spPr>
         <p:txBody>
-          <a:bodyPr wrap="square">
+          <a:bodyPr wrap="none" rtlCol="0">
             <a:spAutoFit/>
           </a:bodyPr>
-          <a:lstStyle>
-            <a:lvl1pPr eaLnBrk="0" hangingPunct="0">
-              <a:defRPr sz="2400">
-                <a:solidFill>
-                  <a:schemeClr val="tx1"/>
-                </a:solidFill>
-                <a:latin typeface="Arial" charset="0"/>
-                <a:ea typeface="ＭＳ Ｐゴシック" charset="0"/>
-                <a:cs typeface="ＭＳ Ｐゴシック" charset="0"/>
-              </a:defRPr>
-            </a:lvl1pPr>
-            <a:lvl2pPr marL="742950" indent="-285750" eaLnBrk="0" hangingPunct="0">
-              <a:defRPr sz="2400">
-                <a:solidFill>
-                  <a:schemeClr val="tx1"/>
-                </a:solidFill>
-                <a:latin typeface="Arial" charset="0"/>
-                <a:ea typeface="ＭＳ Ｐゴシック" charset="0"/>
-              </a:defRPr>
-            </a:lvl2pPr>
-            <a:lvl3pPr marL="1143000" indent="-228600" eaLnBrk="0" hangingPunct="0">
-              <a:defRPr sz="2400">
-                <a:solidFill>
-                  <a:schemeClr val="tx1"/>
-                </a:solidFill>
-                <a:latin typeface="Arial" charset="0"/>
-                <a:ea typeface="ＭＳ Ｐゴシック" charset="0"/>
-              </a:defRPr>
-            </a:lvl3pPr>
-            <a:lvl4pPr marL="1600200" indent="-228600" eaLnBrk="0" hangingPunct="0">
-              <a:defRPr sz="2400">
-                <a:solidFill>
-                  <a:schemeClr val="tx1"/>
-                </a:solidFill>
-                <a:latin typeface="Arial" charset="0"/>
-                <a:ea typeface="ＭＳ Ｐゴシック" charset="0"/>
-              </a:defRPr>
-            </a:lvl4pPr>
-            <a:lvl5pPr marL="2057400" indent="-228600" eaLnBrk="0" hangingPunct="0">
-              <a:defRPr sz="2400">
-                <a:solidFill>
-                  <a:schemeClr val="tx1"/>
-                </a:solidFill>
-                <a:latin typeface="Arial" charset="0"/>
-                <a:ea typeface="ＭＳ Ｐゴシック" charset="0"/>
-              </a:defRPr>
-            </a:lvl5pPr>
-            <a:lvl6pPr marL="2514600" indent="-228600" eaLnBrk="0" fontAlgn="base" hangingPunct="0">
-              <a:spcBef>
-                <a:spcPct val="0"/>
-              </a:spcBef>
-              <a:spcAft>
-                <a:spcPct val="0"/>
-              </a:spcAft>
-              <a:defRPr sz="2400">
-                <a:solidFill>
-                  <a:schemeClr val="tx1"/>
-                </a:solidFill>
-                <a:latin typeface="Arial" charset="0"/>
-                <a:ea typeface="ＭＳ Ｐゴシック" charset="0"/>
-              </a:defRPr>
-            </a:lvl6pPr>
-            <a:lvl7pPr marL="2971800" indent="-228600" eaLnBrk="0" fontAlgn="base" hangingPunct="0">
-              <a:spcBef>
-                <a:spcPct val="0"/>
-              </a:spcBef>
-              <a:spcAft>
-                <a:spcPct val="0"/>
-              </a:spcAft>
-              <a:defRPr sz="2400">
-                <a:solidFill>
-                  <a:schemeClr val="tx1"/>
-                </a:solidFill>
-                <a:latin typeface="Arial" charset="0"/>
-                <a:ea typeface="ＭＳ Ｐゴシック" charset="0"/>
-              </a:defRPr>
-            </a:lvl7pPr>
-            <a:lvl8pPr marL="3429000" indent="-228600" eaLnBrk="0" fontAlgn="base" hangingPunct="0">
-              <a:spcBef>
-                <a:spcPct val="0"/>
-              </a:spcBef>
-              <a:spcAft>
-                <a:spcPct val="0"/>
-              </a:spcAft>
-              <a:defRPr sz="2400">
-                <a:solidFill>
-                  <a:schemeClr val="tx1"/>
-                </a:solidFill>
-                <a:latin typeface="Arial" charset="0"/>
-                <a:ea typeface="ＭＳ Ｐゴシック" charset="0"/>
-              </a:defRPr>
-            </a:lvl8pPr>
-            <a:lvl9pPr marL="3886200" indent="-228600" eaLnBrk="0" fontAlgn="base" hangingPunct="0">
-              <a:spcBef>
-                <a:spcPct val="0"/>
-              </a:spcBef>
-              <a:spcAft>
-                <a:spcPct val="0"/>
-              </a:spcAft>
-              <a:defRPr sz="2400">
-                <a:solidFill>
-                  <a:schemeClr val="tx1"/>
-                </a:solidFill>
-                <a:latin typeface="Arial" charset="0"/>
-                <a:ea typeface="ＭＳ Ｐゴシック" charset="0"/>
-              </a:defRPr>
-            </a:lvl9pPr>
-          </a:lstStyle>
-          <a:p>
-            <a:pPr marL="0" marR="0" lvl="0" indent="0" algn="l" defTabSz="914400" rtl="0" eaLnBrk="1" fontAlgn="auto" latinLnBrk="0" hangingPunct="1">
-              <a:lnSpc>
-                <a:spcPct val="100000"/>
-              </a:lnSpc>
-              <a:spcBef>
-                <a:spcPts val="0"/>
-              </a:spcBef>
-              <a:spcAft>
-                <a:spcPts val="0"/>
-              </a:spcAft>
-              <a:buClrTx/>
-              <a:buSzTx/>
-              <a:buFontTx/>
-              <a:buNone/>
-              <a:tabLst/>
-              <a:defRPr/>
-            </a:pPr>
-            <a:r>
-              <a:rPr kumimoji="0" lang="en-US" sz="1600" b="0" i="0" u="none" strike="noStrike" kern="1200" cap="none" spc="0" normalizeH="0" baseline="0" noProof="0" dirty="0">
-                <a:ln>
-                  <a:noFill/>
-                </a:ln>
-                <a:solidFill>
-                  <a:prstClr val="black"/>
-                </a:solidFill>
-                <a:effectLst/>
-                <a:uLnTx/>
-                <a:uFillTx/>
-                <a:latin typeface="Arial" charset="0"/>
-                <a:ea typeface="ＭＳ Ｐゴシック" charset="0"/>
-              </a:rPr>
-              <a:t>Kim et al. 2015. Nat Methods 12:357–360 </a:t>
-            </a:r>
+          <a:lstStyle/>
+          <a:p>
+            <a:r>
+              <a:rPr lang="nl" sz="1400" dirty="0"/>
+              <a:t>Haas, et al (2013) doi: 10.1038/nprot.2013.084</a:t>
+            </a:r>
+            <a:endParaRPr lang="en-US" sz="1400" dirty="0"/>
           </a:p>
         </p:txBody>
       </p:sp>
     </p:spTree>
     <p:extLst>
       <p:ext uri="{BB962C8B-B14F-4D97-AF65-F5344CB8AC3E}">
-        <p14:creationId xmlns:p14="http://schemas.microsoft.com/office/powerpoint/2010/main" val="2013802326"/>
+        <p14:creationId xmlns:p14="http://schemas.microsoft.com/office/powerpoint/2010/main" val="818953173"/>
       </p:ext>
     </p:extLst>
   </p:cSld>
